--- a/Pirateflix.pptx
+++ b/Pirateflix.pptx
@@ -238,7 +238,7 @@
           <a:p>
             <a:fld id="{46C003B6-BCEA-46F3-841E-7B3EC6052E68}" type="datetimeFigureOut">
               <a:rPr lang="en-BE" smtClean="0"/>
-              <a:t>05/10/2022</a:t>
+              <a:t>16/11/2022</a:t>
             </a:fld>
             <a:endParaRPr lang="en-BE"/>
           </a:p>
@@ -1663,7 +1663,7 @@
             <a:fld id="{B61BEF0D-F0BB-DE4B-95CE-6DB70DBA9567}" type="datetimeFigureOut">
               <a:rPr lang="en-US" smtClean="0"/>
               <a:pPr/>
-              <a:t>10/5/2022</a:t>
+              <a:t>11/16/2022</a:t>
             </a:fld>
             <a:endParaRPr lang="en-US" dirty="0"/>
           </a:p>
@@ -2101,7 +2101,7 @@
             <a:fld id="{B61BEF0D-F0BB-DE4B-95CE-6DB70DBA9567}" type="datetimeFigureOut">
               <a:rPr lang="en-US" smtClean="0"/>
               <a:pPr/>
-              <a:t>10/5/2022</a:t>
+              <a:t>11/16/2022</a:t>
             </a:fld>
             <a:endParaRPr lang="en-US" dirty="0"/>
           </a:p>
@@ -2353,7 +2353,7 @@
             <a:fld id="{B61BEF0D-F0BB-DE4B-95CE-6DB70DBA9567}" type="datetimeFigureOut">
               <a:rPr lang="en-US" smtClean="0"/>
               <a:pPr/>
-              <a:t>10/5/2022</a:t>
+              <a:t>11/16/2022</a:t>
             </a:fld>
             <a:endParaRPr lang="en-US" dirty="0"/>
           </a:p>
@@ -2663,7 +2663,7 @@
             <a:fld id="{B61BEF0D-F0BB-DE4B-95CE-6DB70DBA9567}" type="datetimeFigureOut">
               <a:rPr lang="en-US" smtClean="0"/>
               <a:pPr/>
-              <a:t>10/5/2022</a:t>
+              <a:t>11/16/2022</a:t>
             </a:fld>
             <a:endParaRPr lang="en-US" dirty="0"/>
           </a:p>
@@ -2983,7 +2983,7 @@
             <a:fld id="{B61BEF0D-F0BB-DE4B-95CE-6DB70DBA9567}" type="datetimeFigureOut">
               <a:rPr lang="en-US" smtClean="0"/>
               <a:pPr/>
-              <a:t>10/5/2022</a:t>
+              <a:t>11/16/2022</a:t>
             </a:fld>
             <a:endParaRPr lang="en-US" dirty="0"/>
           </a:p>
@@ -3287,7 +3287,7 @@
             <a:fld id="{B61BEF0D-F0BB-DE4B-95CE-6DB70DBA9567}" type="datetimeFigureOut">
               <a:rPr lang="en-US" smtClean="0"/>
               <a:pPr/>
-              <a:t>10/5/2022</a:t>
+              <a:t>11/16/2022</a:t>
             </a:fld>
             <a:endParaRPr lang="en-US" dirty="0"/>
           </a:p>
@@ -3656,7 +3656,7 @@
             <a:fld id="{B61BEF0D-F0BB-DE4B-95CE-6DB70DBA9567}" type="datetimeFigureOut">
               <a:rPr lang="en-US" smtClean="0"/>
               <a:pPr/>
-              <a:t>10/5/2022</a:t>
+              <a:t>11/16/2022</a:t>
             </a:fld>
             <a:endParaRPr lang="en-US" dirty="0"/>
           </a:p>
@@ -3832,7 +3832,7 @@
             <a:fld id="{B61BEF0D-F0BB-DE4B-95CE-6DB70DBA9567}" type="datetimeFigureOut">
               <a:rPr lang="en-US" smtClean="0"/>
               <a:pPr/>
-              <a:t>10/5/2022</a:t>
+              <a:t>11/16/2022</a:t>
             </a:fld>
             <a:endParaRPr lang="en-US" dirty="0"/>
           </a:p>
@@ -4014,7 +4014,7 @@
             <a:fld id="{B61BEF0D-F0BB-DE4B-95CE-6DB70DBA9567}" type="datetimeFigureOut">
               <a:rPr lang="en-US" smtClean="0"/>
               <a:pPr/>
-              <a:t>10/5/2022</a:t>
+              <a:t>11/16/2022</a:t>
             </a:fld>
             <a:endParaRPr lang="en-US" dirty="0"/>
           </a:p>
@@ -4186,7 +4186,7 @@
             <a:fld id="{B61BEF0D-F0BB-DE4B-95CE-6DB70DBA9567}" type="datetimeFigureOut">
               <a:rPr lang="en-US" smtClean="0"/>
               <a:pPr/>
-              <a:t>10/5/2022</a:t>
+              <a:t>11/16/2022</a:t>
             </a:fld>
             <a:endParaRPr lang="en-US" dirty="0"/>
           </a:p>
@@ -4438,7 +4438,7 @@
             <a:fld id="{B61BEF0D-F0BB-DE4B-95CE-6DB70DBA9567}" type="datetimeFigureOut">
               <a:rPr lang="en-US" smtClean="0"/>
               <a:pPr/>
-              <a:t>10/5/2022</a:t>
+              <a:t>11/16/2022</a:t>
             </a:fld>
             <a:endParaRPr lang="en-US" dirty="0"/>
           </a:p>
@@ -4676,7 +4676,7 @@
             <a:fld id="{B61BEF0D-F0BB-DE4B-95CE-6DB70DBA9567}" type="datetimeFigureOut">
               <a:rPr lang="en-US" smtClean="0"/>
               <a:pPr/>
-              <a:t>10/5/2022</a:t>
+              <a:t>11/16/2022</a:t>
             </a:fld>
             <a:endParaRPr lang="en-US" dirty="0"/>
           </a:p>
@@ -5060,7 +5060,7 @@
             <a:fld id="{B61BEF0D-F0BB-DE4B-95CE-6DB70DBA9567}" type="datetimeFigureOut">
               <a:rPr lang="en-US" smtClean="0"/>
               <a:pPr/>
-              <a:t>10/5/2022</a:t>
+              <a:t>11/16/2022</a:t>
             </a:fld>
             <a:endParaRPr lang="en-US" dirty="0"/>
           </a:p>
@@ -5180,7 +5180,7 @@
             <a:fld id="{B61BEF0D-F0BB-DE4B-95CE-6DB70DBA9567}" type="datetimeFigureOut">
               <a:rPr lang="en-US" smtClean="0"/>
               <a:pPr/>
-              <a:t>10/5/2022</a:t>
+              <a:t>11/16/2022</a:t>
             </a:fld>
             <a:endParaRPr lang="en-US" dirty="0"/>
           </a:p>
@@ -5277,7 +5277,7 @@
             <a:fld id="{B61BEF0D-F0BB-DE4B-95CE-6DB70DBA9567}" type="datetimeFigureOut">
               <a:rPr lang="en-US" smtClean="0"/>
               <a:pPr/>
-              <a:t>10/5/2022</a:t>
+              <a:t>11/16/2022</a:t>
             </a:fld>
             <a:endParaRPr lang="en-US" dirty="0"/>
           </a:p>
@@ -5534,7 +5534,7 @@
             <a:fld id="{B61BEF0D-F0BB-DE4B-95CE-6DB70DBA9567}" type="datetimeFigureOut">
               <a:rPr lang="en-US" smtClean="0"/>
               <a:pPr/>
-              <a:t>10/5/2022</a:t>
+              <a:t>11/16/2022</a:t>
             </a:fld>
             <a:endParaRPr lang="en-US" dirty="0"/>
           </a:p>
@@ -5819,7 +5819,7 @@
             <a:fld id="{B61BEF0D-F0BB-DE4B-95CE-6DB70DBA9567}" type="datetimeFigureOut">
               <a:rPr lang="en-US" smtClean="0"/>
               <a:pPr/>
-              <a:t>10/5/2022</a:t>
+              <a:t>11/16/2022</a:t>
             </a:fld>
             <a:endParaRPr lang="en-US" dirty="0"/>
           </a:p>
@@ -6227,7 +6227,7 @@
             <a:fld id="{B61BEF0D-F0BB-DE4B-95CE-6DB70DBA9567}" type="datetimeFigureOut">
               <a:rPr lang="en-US" smtClean="0"/>
               <a:pPr/>
-              <a:t>10/5/2022</a:t>
+              <a:t>11/16/2022</a:t>
             </a:fld>
             <a:endParaRPr lang="en-US" dirty="0"/>
           </a:p>
@@ -7679,40 +7679,6 @@
           <a:chExt cx="0" cy="0"/>
         </a:xfrm>
       </p:grpSpPr>
-      <p:pic>
-        <p:nvPicPr>
-          <p:cNvPr id="6" name="Picture 5">
-            <a:extLst>
-              <a:ext uri="{FF2B5EF4-FFF2-40B4-BE49-F238E27FC236}">
-                <a16:creationId xmlns:a16="http://schemas.microsoft.com/office/drawing/2014/main" id="{7D1150AD-E424-490F-A3E6-147D047AF505}"/>
-              </a:ext>
-            </a:extLst>
-          </p:cNvPr>
-          <p:cNvPicPr>
-            <a:picLocks noChangeAspect="1"/>
-          </p:cNvPicPr>
-          <p:nvPr>
-            <p:custDataLst>
-              <p:custData r:id="rId1"/>
-            </p:custDataLst>
-          </p:nvPr>
-        </p:nvPicPr>
-        <p:blipFill>
-          <a:blip r:embed="rId4"/>
-          <a:stretch>
-            <a:fillRect/>
-          </a:stretch>
-        </p:blipFill>
-        <p:spPr>
-          <a:xfrm>
-            <a:off x="-88884" y="-22188"/>
-            <a:ext cx="3183776" cy="860893"/>
-          </a:xfrm>
-          <a:prstGeom prst="rect">
-            <a:avLst/>
-          </a:prstGeom>
-        </p:spPr>
-      </p:pic>
       <p:sp>
         <p:nvSpPr>
           <p:cNvPr id="4" name="Title 3">
@@ -7764,7 +7730,7 @@
           <p:nvPr/>
         </p:nvPicPr>
         <p:blipFill>
-          <a:blip r:embed="rId5">
+          <a:blip r:embed="rId3">
             <a:extLst>
               <a:ext uri="{28A0092B-C50C-407E-A947-70E740481C1C}">
                 <a14:useLocalDpi xmlns:a14="http://schemas.microsoft.com/office/drawing/2010/main" val="0"/>
@@ -9396,7 +9362,7 @@
 </file>
 
 <file path=customXml/itemProps1.xml><?xml version="1.0" encoding="utf-8"?>
-<ds:datastoreItem xmlns:ds="http://schemas.openxmlformats.org/officeDocument/2006/customXml" ds:itemID="{7C75E78C-DE85-4B75-AF38-7CD6AC961FF1}">
+<ds:datastoreItem xmlns:ds="http://schemas.openxmlformats.org/officeDocument/2006/customXml" ds:itemID="{3965254F-DC3A-4B9E-8187-BB8ABD8089D2}">
   <ds:schemaRefs>
     <ds:schemaRef ds:uri="http://schemas.microsoft.com/VisualStudio/2011/storyboarding/control"/>
   </ds:schemaRefs>
@@ -9412,7 +9378,7 @@
 </file>
 
 <file path=customXml/itemProps3.xml><?xml version="1.0" encoding="utf-8"?>
-<ds:datastoreItem xmlns:ds="http://schemas.openxmlformats.org/officeDocument/2006/customXml" ds:itemID="{3D6725B2-55CD-404C-BA6C-E09CBA9FA975}">
+<ds:datastoreItem xmlns:ds="http://schemas.openxmlformats.org/officeDocument/2006/customXml" ds:itemID="{7C75E78C-DE85-4B75-AF38-7CD6AC961FF1}">
   <ds:schemaRefs>
     <ds:schemaRef ds:uri="http://schemas.microsoft.com/VisualStudio/2011/storyboarding/control"/>
   </ds:schemaRefs>
@@ -9420,7 +9386,7 @@
 </file>
 
 <file path=customXml/itemProps4.xml><?xml version="1.0" encoding="utf-8"?>
-<ds:datastoreItem xmlns:ds="http://schemas.openxmlformats.org/officeDocument/2006/customXml" ds:itemID="{83121EFB-4893-415B-B7BD-F940E893B2BD}">
+<ds:datastoreItem xmlns:ds="http://schemas.openxmlformats.org/officeDocument/2006/customXml" ds:itemID="{787285B2-73EA-450E-8BD1-A7D5248937C3}">
   <ds:schemaRefs>
     <ds:schemaRef ds:uri="http://schemas.microsoft.com/VisualStudio/2011/storyboarding/control"/>
   </ds:schemaRefs>
@@ -9436,7 +9402,7 @@
 </file>
 
 <file path=customXml/itemProps6.xml><?xml version="1.0" encoding="utf-8"?>
-<ds:datastoreItem xmlns:ds="http://schemas.openxmlformats.org/officeDocument/2006/customXml" ds:itemID="{787285B2-73EA-450E-8BD1-A7D5248937C3}">
+<ds:datastoreItem xmlns:ds="http://schemas.openxmlformats.org/officeDocument/2006/customXml" ds:itemID="{83121EFB-4893-415B-B7BD-F940E893B2BD}">
   <ds:schemaRefs>
     <ds:schemaRef ds:uri="http://schemas.microsoft.com/VisualStudio/2011/storyboarding/control"/>
   </ds:schemaRefs>
@@ -9444,7 +9410,7 @@
 </file>
 
 <file path=customXml/itemProps7.xml><?xml version="1.0" encoding="utf-8"?>
-<ds:datastoreItem xmlns:ds="http://schemas.openxmlformats.org/officeDocument/2006/customXml" ds:itemID="{3965254F-DC3A-4B9E-8187-BB8ABD8089D2}">
+<ds:datastoreItem xmlns:ds="http://schemas.openxmlformats.org/officeDocument/2006/customXml" ds:itemID="{6D07BE54-C08A-4A00-A052-09AA9FE91835}">
   <ds:schemaRefs>
     <ds:schemaRef ds:uri="http://schemas.microsoft.com/VisualStudio/2011/storyboarding/control"/>
   </ds:schemaRefs>
@@ -9460,7 +9426,7 @@
 </file>
 
 <file path=customXml/itemProps9.xml><?xml version="1.0" encoding="utf-8"?>
-<ds:datastoreItem xmlns:ds="http://schemas.openxmlformats.org/officeDocument/2006/customXml" ds:itemID="{6D07BE54-C08A-4A00-A052-09AA9FE91835}">
+<ds:datastoreItem xmlns:ds="http://schemas.openxmlformats.org/officeDocument/2006/customXml" ds:itemID="{3D6725B2-55CD-404C-BA6C-E09CBA9FA975}">
   <ds:schemaRefs>
     <ds:schemaRef ds:uri="http://schemas.microsoft.com/VisualStudio/2011/storyboarding/control"/>
   </ds:schemaRefs>
